--- a/Day 18 - JS – Continued.pptx
+++ b/Day 18 - JS – Continued.pptx
@@ -11,7 +11,8 @@
     <p:sldId id="268" r:id="rId5"/>
     <p:sldId id="263" r:id="rId6"/>
     <p:sldId id="264" r:id="rId7"/>
-    <p:sldId id="266" r:id="rId8"/>
+    <p:sldId id="269" r:id="rId8"/>
+    <p:sldId id="266" r:id="rId9"/>
   </p:sldIdLst>
   <p:sldSz cx="12192000" cy="6858000"/>
   <p:notesSz cx="6858000" cy="9144000"/>
@@ -8553,6 +8554,162 @@
       </p:grpSpPr>
       <p:sp>
         <p:nvSpPr>
+          <p:cNvPr id="4" name="Title 1">
+            <a:extLst>
+              <a:ext uri="{FF2B5EF4-FFF2-40B4-BE49-F238E27FC236}">
+                <a16:creationId xmlns:a16="http://schemas.microsoft.com/office/drawing/2014/main" id="{70926CA4-12AA-4DE6-8C63-2B16EF2C04EA}"/>
+              </a:ext>
+            </a:extLst>
+          </p:cNvPr>
+          <p:cNvSpPr>
+            <a:spLocks noGrp="1"/>
+          </p:cNvSpPr>
+          <p:nvPr>
+            <p:ph type="title"/>
+          </p:nvPr>
+        </p:nvSpPr>
+        <p:spPr>
+          <a:xfrm>
+            <a:off x="646111" y="452718"/>
+            <a:ext cx="9404723" cy="1400530"/>
+          </a:xfrm>
+        </p:spPr>
+        <p:txBody>
+          <a:bodyPr/>
+          <a:lstStyle/>
+          <a:p>
+            <a:r>
+              <a:rPr lang="en-US" dirty="0"/>
+              <a:t>Exam </a:t>
+            </a:r>
+            <a:r>
+              <a:rPr lang="en-US" dirty="0" smtClean="0"/>
+              <a:t>3 </a:t>
+            </a:r>
+            <a:r>
+              <a:rPr lang="en-US" dirty="0"/>
+              <a:t>– </a:t>
+            </a:r>
+            <a:r>
+              <a:rPr lang="en-US" dirty="0" smtClean="0"/>
+              <a:t>7/24/2018 (Tuesday)</a:t>
+            </a:r>
+            <a:endParaRPr lang="en-US" dirty="0"/>
+          </a:p>
+        </p:txBody>
+      </p:sp>
+      <p:sp>
+        <p:nvSpPr>
+          <p:cNvPr id="5" name="Content Placeholder 2">
+            <a:extLst>
+              <a:ext uri="{FF2B5EF4-FFF2-40B4-BE49-F238E27FC236}">
+                <a16:creationId xmlns:a16="http://schemas.microsoft.com/office/drawing/2014/main" id="{1EBFAA01-4E2E-44CE-A6BA-EB2794DE7827}"/>
+              </a:ext>
+            </a:extLst>
+          </p:cNvPr>
+          <p:cNvSpPr>
+            <a:spLocks noGrp="1"/>
+          </p:cNvSpPr>
+          <p:nvPr>
+            <p:ph idx="1"/>
+          </p:nvPr>
+        </p:nvSpPr>
+        <p:spPr>
+          <a:xfrm>
+            <a:off x="1103312" y="2052918"/>
+            <a:ext cx="9167123" cy="2744369"/>
+          </a:xfrm>
+        </p:spPr>
+        <p:txBody>
+          <a:bodyPr/>
+          <a:lstStyle/>
+          <a:p>
+            <a:r>
+              <a:rPr lang="en-US" dirty="0"/>
+              <a:t>Study all slides on </a:t>
+            </a:r>
+            <a:r>
+              <a:rPr lang="en-US" dirty="0" smtClean="0"/>
+              <a:t>JavaScript(JS):</a:t>
+            </a:r>
+            <a:endParaRPr lang="en-US" dirty="0"/>
+          </a:p>
+          <a:p>
+            <a:endParaRPr lang="en-US" dirty="0">
+              <a:hlinkClick r:id=""/>
+            </a:endParaRPr>
+          </a:p>
+          <a:p>
+            <a:r>
+              <a:rPr lang="en-US" dirty="0">
+                <a:hlinkClick r:id=""/>
+              </a:rPr>
+              <a:t>https://github.com/manupeethambar888/webdev</a:t>
+            </a:r>
+            <a:endParaRPr lang="en-US" dirty="0"/>
+          </a:p>
+          <a:p>
+            <a:pPr marL="0" indent="0">
+              <a:buNone/>
+            </a:pPr>
+            <a:endParaRPr lang="en-US" dirty="0"/>
+          </a:p>
+          <a:p>
+            <a:r>
+              <a:rPr lang="en-US" dirty="0"/>
+              <a:t>Practice all the concepts taught on </a:t>
+            </a:r>
+            <a:r>
+              <a:rPr lang="en-US" dirty="0">
+                <a:hlinkClick r:id="rId2"/>
+              </a:rPr>
+              <a:t>www.w3schools.com</a:t>
+            </a:r>
+            <a:r>
+              <a:rPr lang="en-US" dirty="0"/>
+              <a:t> try it editor.</a:t>
+            </a:r>
+          </a:p>
+          <a:p>
+            <a:endParaRPr lang="en-US" dirty="0"/>
+          </a:p>
+          <a:p>
+            <a:endParaRPr lang="en-US" dirty="0"/>
+          </a:p>
+        </p:txBody>
+      </p:sp>
+    </p:spTree>
+    <p:extLst>
+      <p:ext uri="{BB962C8B-B14F-4D97-AF65-F5344CB8AC3E}">
+        <p14:creationId xmlns:p14="http://schemas.microsoft.com/office/powerpoint/2010/main" val="2502379511"/>
+      </p:ext>
+    </p:extLst>
+  </p:cSld>
+  <p:clrMapOvr>
+    <a:masterClrMapping/>
+  </p:clrMapOvr>
+</p:sld>
+</file>
+
+<file path=ppt/slides/slide8.xml><?xml version="1.0" encoding="utf-8"?>
+<p:sld xmlns:a="http://schemas.openxmlformats.org/drawingml/2006/main" xmlns:r="http://schemas.openxmlformats.org/officeDocument/2006/relationships" xmlns:p="http://schemas.openxmlformats.org/presentationml/2006/main">
+  <p:cSld>
+    <p:spTree>
+      <p:nvGrpSpPr>
+        <p:cNvPr id="1" name=""/>
+        <p:cNvGrpSpPr/>
+        <p:nvPr/>
+      </p:nvGrpSpPr>
+      <p:grpSpPr>
+        <a:xfrm>
+          <a:off x="0" y="0"/>
+          <a:ext cx="0" cy="0"/>
+          <a:chOff x="0" y="0"/>
+          <a:chExt cx="0" cy="0"/>
+        </a:xfrm>
+      </p:grpSpPr>
+      <p:sp>
+        <p:nvSpPr>
           <p:cNvPr id="2" name="Title 1">
             <a:extLst>
               <a:ext uri="{FF2B5EF4-FFF2-40B4-BE49-F238E27FC236}">

--- a/Day 18 - JS – Continued.pptx
+++ b/Day 18 - JS – Continued.pptx
@@ -6186,6 +6186,13 @@
   <p:clrMapOvr>
     <a:masterClrMapping/>
   </p:clrMapOvr>
+  <p:timing>
+    <p:tnLst>
+      <p:par>
+        <p:cTn id="1" dur="indefinite" restart="never" nodeType="tmRoot"/>
+      </p:par>
+    </p:tnLst>
+  </p:timing>
 </p:sld>
 </file>
 
@@ -6972,6 +6979,13 @@
   <p:clrMapOvr>
     <a:masterClrMapping/>
   </p:clrMapOvr>
+  <p:timing>
+    <p:tnLst>
+      <p:par>
+        <p:cTn id="1" dur="indefinite" restart="never" nodeType="tmRoot"/>
+      </p:par>
+    </p:tnLst>
+  </p:timing>
 </p:sld>
 </file>
 
@@ -7761,6 +7775,13 @@
   <p:clrMapOvr>
     <a:masterClrMapping/>
   </p:clrMapOvr>
+  <p:timing>
+    <p:tnLst>
+      <p:par>
+        <p:cTn id="1" dur="indefinite" restart="never" nodeType="tmRoot"/>
+      </p:par>
+    </p:tnLst>
+  </p:timing>
 </p:sld>
 </file>
 
@@ -8183,6 +8204,13 @@
   <p:clrMapOvr>
     <a:masterClrMapping/>
   </p:clrMapOvr>
+  <p:timing>
+    <p:tnLst>
+      <p:par>
+        <p:cTn id="1" dur="indefinite" restart="never" nodeType="tmRoot"/>
+      </p:par>
+    </p:tnLst>
+  </p:timing>
 </p:sld>
 </file>
 
@@ -8344,6 +8372,13 @@
   <p:clrMapOvr>
     <a:masterClrMapping/>
   </p:clrMapOvr>
+  <p:timing>
+    <p:tnLst>
+      <p:par>
+        <p:cTn id="1" dur="indefinite" restart="never" nodeType="tmRoot"/>
+      </p:par>
+    </p:tnLst>
+  </p:timing>
 </p:sld>
 </file>
 
@@ -8532,6 +8567,13 @@
   <p:clrMapOvr>
     <a:masterClrMapping/>
   </p:clrMapOvr>
+  <p:timing>
+    <p:tnLst>
+      <p:par>
+        <p:cTn id="1" dur="indefinite" restart="never" nodeType="tmRoot"/>
+      </p:par>
+    </p:tnLst>
+  </p:timing>
 </p:sld>
 </file>
 
@@ -8688,6 +8730,13 @@
   <p:clrMapOvr>
     <a:masterClrMapping/>
   </p:clrMapOvr>
+  <p:timing>
+    <p:tnLst>
+      <p:par>
+        <p:cTn id="1" dur="indefinite" restart="never" nodeType="tmRoot"/>
+      </p:par>
+    </p:tnLst>
+  </p:timing>
 </p:sld>
 </file>
 
@@ -8831,6 +8880,13 @@
   <p:clrMapOvr>
     <a:masterClrMapping/>
   </p:clrMapOvr>
+  <p:timing>
+    <p:tnLst>
+      <p:par>
+        <p:cTn id="1" dur="indefinite" restart="never" nodeType="tmRoot"/>
+      </p:par>
+    </p:tnLst>
+  </p:timing>
 </p:sld>
 </file>
 
